--- a/presentation/Sporty Sam.pptx
+++ b/presentation/Sporty Sam.pptx
@@ -5,7 +5,7 @@
     <p:sldMasterId id="2147483659" r:id="rId1"/>
   </p:sldMasterIdLst>
   <p:notesMasterIdLst>
-    <p:notesMasterId r:id="rId11"/>
+    <p:notesMasterId r:id="rId13"/>
   </p:notesMasterIdLst>
   <p:sldIdLst>
     <p:sldId id="256" r:id="rId2"/>
@@ -17,6 +17,8 @@
     <p:sldId id="262" r:id="rId8"/>
     <p:sldId id="263" r:id="rId9"/>
     <p:sldId id="264" r:id="rId10"/>
+    <p:sldId id="266" r:id="rId11"/>
+    <p:sldId id="265" r:id="rId12"/>
   </p:sldIdLst>
   <p:sldSz cx="9144000" cy="5143500" type="screen16x9"/>
   <p:notesSz cx="6858000" cy="9144000"/>
@@ -6604,6 +6606,262 @@
 </p:sld>
 </file>
 
+<file path=ppt/slides/slide10.xml><?xml version="1.0" encoding="utf-8"?>
+<p:sld xmlns:a="http://schemas.openxmlformats.org/drawingml/2006/main" xmlns:r="http://schemas.openxmlformats.org/officeDocument/2006/relationships" xmlns:p="http://schemas.openxmlformats.org/presentationml/2006/main">
+  <p:cSld>
+    <p:spTree>
+      <p:nvGrpSpPr>
+        <p:cNvPr id="1" name=""/>
+        <p:cNvGrpSpPr/>
+        <p:nvPr/>
+      </p:nvGrpSpPr>
+      <p:grpSpPr>
+        <a:xfrm>
+          <a:off x="0" y="0"/>
+          <a:ext cx="0" cy="0"/>
+          <a:chOff x="0" y="0"/>
+          <a:chExt cx="0" cy="0"/>
+        </a:xfrm>
+      </p:grpSpPr>
+      <p:sp>
+        <p:nvSpPr>
+          <p:cNvPr id="2" name="Title 1">
+            <a:extLst>
+              <a:ext uri="{FF2B5EF4-FFF2-40B4-BE49-F238E27FC236}">
+                <a16:creationId xmlns:a16="http://schemas.microsoft.com/office/drawing/2014/main" id="{842D4F19-81AA-4E9E-A577-D2EF2E03D365}"/>
+              </a:ext>
+            </a:extLst>
+          </p:cNvPr>
+          <p:cNvSpPr>
+            <a:spLocks noGrp="1"/>
+          </p:cNvSpPr>
+          <p:nvPr>
+            <p:ph type="title"/>
+          </p:nvPr>
+        </p:nvSpPr>
+        <p:spPr/>
+        <p:txBody>
+          <a:bodyPr/>
+          <a:lstStyle/>
+          <a:p>
+            <a:endParaRPr lang="en-US"/>
+          </a:p>
+        </p:txBody>
+      </p:sp>
+      <p:pic>
+        <p:nvPicPr>
+          <p:cNvPr id="3" name="Picture 2" descr="A screenshot of a cell phone&#10;&#10;Description automatically generated">
+            <a:extLst>
+              <a:ext uri="{FF2B5EF4-FFF2-40B4-BE49-F238E27FC236}">
+                <a16:creationId xmlns:a16="http://schemas.microsoft.com/office/drawing/2014/main" id="{AFB07675-0E6E-4DA9-95F4-14BD51D47186}"/>
+              </a:ext>
+            </a:extLst>
+          </p:cNvPr>
+          <p:cNvPicPr>
+            <a:picLocks noChangeAspect="1"/>
+          </p:cNvPicPr>
+          <p:nvPr/>
+        </p:nvPicPr>
+        <p:blipFill rotWithShape="1">
+          <a:blip r:embed="rId2"/>
+          <a:srcRect l="10417" t="10172" r="65358" b="59704"/>
+          <a:stretch/>
+        </p:blipFill>
+        <p:spPr>
+          <a:xfrm>
+            <a:off x="96520" y="0"/>
+            <a:ext cx="2578100" cy="5139350"/>
+          </a:xfrm>
+          <a:prstGeom prst="rect">
+            <a:avLst/>
+          </a:prstGeom>
+        </p:spPr>
+      </p:pic>
+    </p:spTree>
+    <p:extLst>
+      <p:ext uri="{BB962C8B-B14F-4D97-AF65-F5344CB8AC3E}">
+        <p14:creationId xmlns:p14="http://schemas.microsoft.com/office/powerpoint/2010/main" val="4084493552"/>
+      </p:ext>
+    </p:extLst>
+  </p:cSld>
+  <p:clrMapOvr>
+    <a:masterClrMapping/>
+  </p:clrMapOvr>
+</p:sld>
+</file>
+
+<file path=ppt/slides/slide11.xml><?xml version="1.0" encoding="utf-8"?>
+<p:sld xmlns:a="http://schemas.openxmlformats.org/drawingml/2006/main" xmlns:r="http://schemas.openxmlformats.org/officeDocument/2006/relationships" xmlns:p="http://schemas.openxmlformats.org/presentationml/2006/main">
+  <p:cSld>
+    <p:spTree>
+      <p:nvGrpSpPr>
+        <p:cNvPr id="1" name=""/>
+        <p:cNvGrpSpPr/>
+        <p:nvPr/>
+      </p:nvGrpSpPr>
+      <p:grpSpPr>
+        <a:xfrm>
+          <a:off x="0" y="0"/>
+          <a:ext cx="0" cy="0"/>
+          <a:chOff x="0" y="0"/>
+          <a:chExt cx="0" cy="0"/>
+        </a:xfrm>
+      </p:grpSpPr>
+      <p:sp>
+        <p:nvSpPr>
+          <p:cNvPr id="2" name="Title 1">
+            <a:extLst>
+              <a:ext uri="{FF2B5EF4-FFF2-40B4-BE49-F238E27FC236}">
+                <a16:creationId xmlns:a16="http://schemas.microsoft.com/office/drawing/2014/main" id="{6535833A-5097-4036-A558-75696BB461AA}"/>
+              </a:ext>
+            </a:extLst>
+          </p:cNvPr>
+          <p:cNvSpPr>
+            <a:spLocks noGrp="1"/>
+          </p:cNvSpPr>
+          <p:nvPr>
+            <p:ph type="title"/>
+          </p:nvPr>
+        </p:nvSpPr>
+        <p:spPr/>
+        <p:txBody>
+          <a:bodyPr/>
+          <a:lstStyle/>
+          <a:p>
+            <a:endParaRPr lang="en-US"/>
+          </a:p>
+        </p:txBody>
+      </p:sp>
+      <p:pic>
+        <p:nvPicPr>
+          <p:cNvPr id="7" name="Picture 6" descr="A screenshot of a cell phone&#10;&#10;Description automatically generated">
+            <a:extLst>
+              <a:ext uri="{FF2B5EF4-FFF2-40B4-BE49-F238E27FC236}">
+                <a16:creationId xmlns:a16="http://schemas.microsoft.com/office/drawing/2014/main" id="{E16B2995-6EAA-4B2B-8196-0B358C0E49DA}"/>
+              </a:ext>
+            </a:extLst>
+          </p:cNvPr>
+          <p:cNvPicPr>
+            <a:picLocks noChangeAspect="1"/>
+          </p:cNvPicPr>
+          <p:nvPr/>
+        </p:nvPicPr>
+        <p:blipFill>
+          <a:blip r:embed="rId2"/>
+          <a:stretch>
+            <a:fillRect/>
+          </a:stretch>
+        </p:blipFill>
+        <p:spPr>
+          <a:xfrm>
+            <a:off x="2544316" y="36830"/>
+            <a:ext cx="3208421" cy="5143500"/>
+          </a:xfrm>
+          <a:prstGeom prst="rect">
+            <a:avLst/>
+          </a:prstGeom>
+        </p:spPr>
+      </p:pic>
+      <p:pic>
+        <p:nvPicPr>
+          <p:cNvPr id="8" name="Picture 7" descr="A screenshot of a cell phone&#10;&#10;Description automatically generated">
+            <a:extLst>
+              <a:ext uri="{FF2B5EF4-FFF2-40B4-BE49-F238E27FC236}">
+                <a16:creationId xmlns:a16="http://schemas.microsoft.com/office/drawing/2014/main" id="{B6BB3252-37E5-44E9-A48B-A7EBACBE45F9}"/>
+              </a:ext>
+            </a:extLst>
+          </p:cNvPr>
+          <p:cNvPicPr>
+            <a:picLocks noChangeAspect="1"/>
+          </p:cNvPicPr>
+          <p:nvPr/>
+        </p:nvPicPr>
+        <p:blipFill rotWithShape="1">
+          <a:blip r:embed="rId2"/>
+          <a:srcRect l="10417" t="10172" r="65358" b="59704"/>
+          <a:stretch/>
+        </p:blipFill>
+        <p:spPr>
+          <a:xfrm>
+            <a:off x="1437640" y="462280"/>
+            <a:ext cx="777240" cy="1549400"/>
+          </a:xfrm>
+          <a:prstGeom prst="rect">
+            <a:avLst/>
+          </a:prstGeom>
+        </p:spPr>
+      </p:pic>
+      <p:pic>
+        <p:nvPicPr>
+          <p:cNvPr id="9" name="Picture 8" descr="A screenshot of a cell phone&#10;&#10;Description automatically generated">
+            <a:extLst>
+              <a:ext uri="{FF2B5EF4-FFF2-40B4-BE49-F238E27FC236}">
+                <a16:creationId xmlns:a16="http://schemas.microsoft.com/office/drawing/2014/main" id="{DD98164B-6015-41E6-BD6C-4BAAA9EBC7E4}"/>
+              </a:ext>
+            </a:extLst>
+          </p:cNvPr>
+          <p:cNvPicPr>
+            <a:picLocks noChangeAspect="1"/>
+          </p:cNvPicPr>
+          <p:nvPr/>
+        </p:nvPicPr>
+        <p:blipFill rotWithShape="1">
+          <a:blip r:embed="rId2"/>
+          <a:srcRect l="37017" t="23851" r="37650" b="37384"/>
+          <a:stretch/>
+        </p:blipFill>
+        <p:spPr>
+          <a:xfrm>
+            <a:off x="6176210" y="1188720"/>
+            <a:ext cx="812800" cy="1993900"/>
+          </a:xfrm>
+          <a:prstGeom prst="rect">
+            <a:avLst/>
+          </a:prstGeom>
+        </p:spPr>
+      </p:pic>
+      <p:pic>
+        <p:nvPicPr>
+          <p:cNvPr id="10" name="Picture 9" descr="A screenshot of a cell phone&#10;&#10;Description automatically generated">
+            <a:extLst>
+              <a:ext uri="{FF2B5EF4-FFF2-40B4-BE49-F238E27FC236}">
+                <a16:creationId xmlns:a16="http://schemas.microsoft.com/office/drawing/2014/main" id="{7F7A8F3C-1EC2-45BE-A351-50F2DC1FF457}"/>
+              </a:ext>
+            </a:extLst>
+          </p:cNvPr>
+          <p:cNvPicPr>
+            <a:picLocks noChangeAspect="1"/>
+          </p:cNvPicPr>
+          <p:nvPr/>
+        </p:nvPicPr>
+        <p:blipFill rotWithShape="1">
+          <a:blip r:embed="rId2"/>
+          <a:srcRect l="10575" t="41283" r="64408" b="23358"/>
+          <a:stretch/>
+        </p:blipFill>
+        <p:spPr>
+          <a:xfrm>
+            <a:off x="5893895" y="647170"/>
+            <a:ext cx="802640" cy="1818640"/>
+          </a:xfrm>
+          <a:prstGeom prst="rect">
+            <a:avLst/>
+          </a:prstGeom>
+        </p:spPr>
+      </p:pic>
+    </p:spTree>
+    <p:extLst>
+      <p:ext uri="{BB962C8B-B14F-4D97-AF65-F5344CB8AC3E}">
+        <p14:creationId xmlns:p14="http://schemas.microsoft.com/office/powerpoint/2010/main" val="1747539033"/>
+      </p:ext>
+    </p:extLst>
+  </p:cSld>
+  <p:clrMapOvr>
+    <a:masterClrMapping/>
+  </p:clrMapOvr>
+</p:sld>
+</file>
+
 <file path=ppt/slides/slide2.xml><?xml version="1.0" encoding="utf-8"?>
 <p:sld xmlns:a="http://schemas.openxmlformats.org/drawingml/2006/main" xmlns:r="http://schemas.openxmlformats.org/officeDocument/2006/relationships" xmlns:p="http://schemas.openxmlformats.org/presentationml/2006/main">
   <p:cSld>
